--- a/信息安全工具开发/课件/2-7多线程2/线程类Thread的方法和属性(PPT).pptx
+++ b/信息安全工具开发/课件/2-7多线程2/线程类Thread的方法和属性(PPT).pptx
@@ -232,7 +232,7 @@
           <a:p>
             <a:fld id="{6D67635D-746C-4F00-80C7-ECA8C9CFF735}" type="datetimeFigureOut">
               <a:rPr lang="zh-CN" altLang="en-US" smtClean="0"/>
-              <a:t>2017/10/12</a:t>
+              <a:t>2022/3/15</a:t>
             </a:fld>
             <a:endParaRPr lang="zh-CN" altLang="en-US"/>
           </a:p>
@@ -1468,7 +1468,7 @@
           <a:p>
             <a:fld id="{82F288E0-7875-42C4-84C8-98DBBD3BF4D2}" type="datetimeFigureOut">
               <a:rPr lang="zh-CN" altLang="en-US" smtClean="0"/>
-              <a:t>2017/10/12</a:t>
+              <a:t>2022/3/15</a:t>
             </a:fld>
             <a:endParaRPr lang="zh-CN" altLang="en-US"/>
           </a:p>
@@ -1626,7 +1626,7 @@
           <a:p>
             <a:fld id="{82F288E0-7875-42C4-84C8-98DBBD3BF4D2}" type="datetimeFigureOut">
               <a:rPr lang="zh-CN" altLang="en-US" smtClean="0"/>
-              <a:t>2017/10/12</a:t>
+              <a:t>2022/3/15</a:t>
             </a:fld>
             <a:endParaRPr lang="zh-CN" altLang="en-US"/>
           </a:p>
@@ -1823,7 +1823,7 @@
           <a:p>
             <a:fld id="{82F288E0-7875-42C4-84C8-98DBBD3BF4D2}" type="datetimeFigureOut">
               <a:rPr lang="zh-CN" altLang="en-US" smtClean="0"/>
-              <a:t>2017/10/12</a:t>
+              <a:t>2022/3/15</a:t>
             </a:fld>
             <a:endParaRPr lang="zh-CN" altLang="en-US"/>
           </a:p>
@@ -1998,7 +1998,7 @@
           <a:p>
             <a:fld id="{82F288E0-7875-42C4-84C8-98DBBD3BF4D2}" type="datetimeFigureOut">
               <a:rPr lang="zh-CN" altLang="en-US" smtClean="0"/>
-              <a:t>2017/10/12</a:t>
+              <a:t>2022/3/15</a:t>
             </a:fld>
             <a:endParaRPr lang="zh-CN" altLang="en-US"/>
           </a:p>
@@ -2250,7 +2250,7 @@
           <a:p>
             <a:fld id="{82F288E0-7875-42C4-84C8-98DBBD3BF4D2}" type="datetimeFigureOut">
               <a:rPr lang="zh-CN" altLang="en-US" smtClean="0"/>
-              <a:t>2017/10/12</a:t>
+              <a:t>2022/3/15</a:t>
             </a:fld>
             <a:endParaRPr lang="zh-CN" altLang="en-US"/>
           </a:p>
@@ -2486,7 +2486,7 @@
           <a:p>
             <a:fld id="{82F288E0-7875-42C4-84C8-98DBBD3BF4D2}" type="datetimeFigureOut">
               <a:rPr lang="zh-CN" altLang="en-US" smtClean="0"/>
-              <a:t>2017/10/12</a:t>
+              <a:t>2022/3/15</a:t>
             </a:fld>
             <a:endParaRPr lang="zh-CN" altLang="en-US"/>
           </a:p>
@@ -2857,7 +2857,7 @@
           <a:p>
             <a:fld id="{82F288E0-7875-42C4-84C8-98DBBD3BF4D2}" type="datetimeFigureOut">
               <a:rPr lang="zh-CN" altLang="en-US" smtClean="0"/>
-              <a:t>2017/10/12</a:t>
+              <a:t>2022/3/15</a:t>
             </a:fld>
             <a:endParaRPr lang="zh-CN" altLang="en-US"/>
           </a:p>
@@ -2981,7 +2981,7 @@
           <a:p>
             <a:fld id="{82F288E0-7875-42C4-84C8-98DBBD3BF4D2}" type="datetimeFigureOut">
               <a:rPr lang="zh-CN" altLang="en-US" smtClean="0"/>
-              <a:t>2017/10/12</a:t>
+              <a:t>2022/3/15</a:t>
             </a:fld>
             <a:endParaRPr lang="zh-CN" altLang="en-US"/>
           </a:p>
@@ -3083,7 +3083,7 @@
           <a:p>
             <a:fld id="{82F288E0-7875-42C4-84C8-98DBBD3BF4D2}" type="datetimeFigureOut">
               <a:rPr lang="zh-CN" altLang="en-US" smtClean="0"/>
-              <a:t>2017/10/12</a:t>
+              <a:t>2022/3/15</a:t>
             </a:fld>
             <a:endParaRPr lang="zh-CN" altLang="en-US"/>
           </a:p>
@@ -3342,7 +3342,7 @@
           <a:p>
             <a:fld id="{82F288E0-7875-42C4-84C8-98DBBD3BF4D2}" type="datetimeFigureOut">
               <a:rPr lang="zh-CN" altLang="en-US" smtClean="0"/>
-              <a:t>2017/10/12</a:t>
+              <a:t>2022/3/15</a:t>
             </a:fld>
             <a:endParaRPr lang="zh-CN" altLang="en-US"/>
           </a:p>
@@ -3527,7 +3527,7 @@
           <a:p>
             <a:fld id="{82F288E0-7875-42C4-84C8-98DBBD3BF4D2}" type="datetimeFigureOut">
               <a:rPr lang="zh-CN" altLang="en-US" smtClean="0"/>
-              <a:t>2017/10/12</a:t>
+              <a:t>2022/3/15</a:t>
             </a:fld>
             <a:endParaRPr lang="zh-CN" altLang="en-US"/>
           </a:p>
@@ -3702,7 +3702,7 @@
           <a:p>
             <a:fld id="{82F288E0-7875-42C4-84C8-98DBBD3BF4D2}" type="datetimeFigureOut">
               <a:rPr lang="zh-CN" altLang="en-US" smtClean="0"/>
-              <a:t>2017/10/12</a:t>
+              <a:t>2022/3/15</a:t>
             </a:fld>
             <a:endParaRPr lang="zh-CN" altLang="en-US"/>
           </a:p>
@@ -4323,7 +4323,7 @@
           <a:p>
             <a:fld id="{82F288E0-7875-42C4-84C8-98DBBD3BF4D2}" type="datetimeFigureOut">
               <a:rPr lang="zh-CN" altLang="en-US" smtClean="0"/>
-              <a:t>2017/10/12</a:t>
+              <a:t>2022/3/15</a:t>
             </a:fld>
             <a:endParaRPr lang="zh-CN" altLang="en-US"/>
           </a:p>
@@ -4575,7 +4575,7 @@
           <a:p>
             <a:fld id="{82F288E0-7875-42C4-84C8-98DBBD3BF4D2}" type="datetimeFigureOut">
               <a:rPr lang="zh-CN" altLang="en-US" smtClean="0"/>
-              <a:t>2017/10/12</a:t>
+              <a:t>2022/3/15</a:t>
             </a:fld>
             <a:endParaRPr lang="zh-CN" altLang="en-US"/>
           </a:p>
@@ -4811,7 +4811,7 @@
           <a:p>
             <a:fld id="{82F288E0-7875-42C4-84C8-98DBBD3BF4D2}" type="datetimeFigureOut">
               <a:rPr lang="zh-CN" altLang="en-US" smtClean="0"/>
-              <a:t>2017/10/12</a:t>
+              <a:t>2022/3/15</a:t>
             </a:fld>
             <a:endParaRPr lang="zh-CN" altLang="en-US"/>
           </a:p>
@@ -5182,7 +5182,7 @@
           <a:p>
             <a:fld id="{82F288E0-7875-42C4-84C8-98DBBD3BF4D2}" type="datetimeFigureOut">
               <a:rPr lang="zh-CN" altLang="en-US" smtClean="0"/>
-              <a:t>2017/10/12</a:t>
+              <a:t>2022/3/15</a:t>
             </a:fld>
             <a:endParaRPr lang="zh-CN" altLang="en-US"/>
           </a:p>
@@ -5306,7 +5306,7 @@
           <a:p>
             <a:fld id="{82F288E0-7875-42C4-84C8-98DBBD3BF4D2}" type="datetimeFigureOut">
               <a:rPr lang="zh-CN" altLang="en-US" smtClean="0"/>
-              <a:t>2017/10/12</a:t>
+              <a:t>2022/3/15</a:t>
             </a:fld>
             <a:endParaRPr lang="zh-CN" altLang="en-US"/>
           </a:p>
@@ -5408,7 +5408,7 @@
           <a:p>
             <a:fld id="{82F288E0-7875-42C4-84C8-98DBBD3BF4D2}" type="datetimeFigureOut">
               <a:rPr lang="zh-CN" altLang="en-US" smtClean="0"/>
-              <a:t>2017/10/12</a:t>
+              <a:t>2022/3/15</a:t>
             </a:fld>
             <a:endParaRPr lang="zh-CN" altLang="en-US"/>
           </a:p>
@@ -5667,7 +5667,7 @@
           <a:p>
             <a:fld id="{82F288E0-7875-42C4-84C8-98DBBD3BF4D2}" type="datetimeFigureOut">
               <a:rPr lang="zh-CN" altLang="en-US" smtClean="0"/>
-              <a:t>2017/10/12</a:t>
+              <a:t>2022/3/15</a:t>
             </a:fld>
             <a:endParaRPr lang="zh-CN" altLang="en-US"/>
           </a:p>
@@ -5852,7 +5852,7 @@
           <a:p>
             <a:fld id="{82F288E0-7875-42C4-84C8-98DBBD3BF4D2}" type="datetimeFigureOut">
               <a:rPr lang="zh-CN" altLang="en-US" smtClean="0"/>
-              <a:t>2017/10/12</a:t>
+              <a:t>2022/3/15</a:t>
             </a:fld>
             <a:endParaRPr lang="zh-CN" altLang="en-US"/>
           </a:p>
@@ -6070,7 +6070,7 @@
           <a:p>
             <a:fld id="{82F288E0-7875-42C4-84C8-98DBBD3BF4D2}" type="datetimeFigureOut">
               <a:rPr lang="zh-CN" altLang="en-US" smtClean="0"/>
-              <a:t>2017/10/12</a:t>
+              <a:t>2022/3/15</a:t>
             </a:fld>
             <a:endParaRPr lang="zh-CN" altLang="en-US"/>
           </a:p>
@@ -6614,7 +6614,7 @@
           <a:p>
             <a:fld id="{82F288E0-7875-42C4-84C8-98DBBD3BF4D2}" type="datetimeFigureOut">
               <a:rPr lang="zh-CN" altLang="en-US" smtClean="0"/>
-              <a:t>2017/10/12</a:t>
+              <a:t>2022/3/15</a:t>
             </a:fld>
             <a:endParaRPr lang="zh-CN" altLang="en-US"/>
           </a:p>
@@ -29267,7 +29267,68 @@
                 <a:latin typeface="微软雅黑" panose="020B0503020204020204" pitchFamily="34" charset="-122"/>
                 <a:ea typeface="微软雅黑" panose="020B0503020204020204" pitchFamily="34" charset="-122"/>
               </a:rPr>
-              <a:t>返回线程的名字</a:t>
+              <a:t>返回线程</a:t>
+            </a:r>
+            <a:r>
+              <a:rPr lang="zh-CN" altLang="en-US" sz="2000">
+                <a:latin typeface="微软雅黑" panose="020B0503020204020204" pitchFamily="34" charset="-122"/>
+                <a:ea typeface="微软雅黑" panose="020B0503020204020204" pitchFamily="34" charset="-122"/>
+              </a:rPr>
+              <a:t>的</a:t>
+            </a:r>
+            <a:r>
+              <a:rPr lang="zh-CN" altLang="en-US" sz="2000" smtClean="0">
+                <a:latin typeface="微软雅黑" panose="020B0503020204020204" pitchFamily="34" charset="-122"/>
+                <a:ea typeface="微软雅黑" panose="020B0503020204020204" pitchFamily="34" charset="-122"/>
+              </a:rPr>
+              <a:t>名字 </a:t>
+            </a:r>
+            <a:r>
+              <a:rPr lang="zh-CN" altLang="en-US" sz="2000" smtClean="0">
+                <a:solidFill>
+                  <a:srgbClr val="FF0000"/>
+                </a:solidFill>
+                <a:latin typeface="微软雅黑" panose="020B0503020204020204" pitchFamily="34" charset="-122"/>
+                <a:ea typeface="微软雅黑" panose="020B0503020204020204" pitchFamily="34" charset="-122"/>
+              </a:rPr>
+              <a:t>已经</a:t>
+            </a:r>
+            <a:r>
+              <a:rPr lang="zh-CN" altLang="en-US" sz="2000" dirty="0">
+                <a:solidFill>
+                  <a:srgbClr val="FF0000"/>
+                </a:solidFill>
+                <a:latin typeface="微软雅黑" panose="020B0503020204020204" pitchFamily="34" charset="-122"/>
+                <a:ea typeface="微软雅黑" panose="020B0503020204020204" pitchFamily="34" charset="-122"/>
+              </a:rPr>
+              <a:t>被弃用，用</a:t>
+            </a:r>
+            <a:r>
+              <a:rPr lang="en-US" altLang="zh-CN" sz="2000" dirty="0">
+                <a:solidFill>
+                  <a:srgbClr val="FF0000"/>
+                </a:solidFill>
+                <a:latin typeface="微软雅黑" panose="020B0503020204020204" pitchFamily="34" charset="-122"/>
+                <a:ea typeface="微软雅黑" panose="020B0503020204020204" pitchFamily="34" charset="-122"/>
+              </a:rPr>
+              <a:t>sele.name</a:t>
+            </a:r>
+            <a:r>
+              <a:rPr lang="zh-CN" altLang="en-US" sz="2000" dirty="0" smtClean="0">
+                <a:solidFill>
+                  <a:srgbClr val="FF0000"/>
+                </a:solidFill>
+                <a:latin typeface="微软雅黑" panose="020B0503020204020204" pitchFamily="34" charset="-122"/>
+                <a:ea typeface="微软雅黑" panose="020B0503020204020204" pitchFamily="34" charset="-122"/>
+              </a:rPr>
+              <a:t>代替</a:t>
+            </a:r>
+            <a:r>
+              <a:rPr lang="zh-CN" altLang="en-US" sz="2000" dirty="0">
+                <a:latin typeface="微软雅黑" panose="020B0503020204020204" pitchFamily="34" charset="-122"/>
+                <a:ea typeface="微软雅黑" panose="020B0503020204020204" pitchFamily="34" charset="-122"/>
+              </a:rPr>
+              <a:t/>
             </a:r>
             <a:br>
               <a:rPr lang="zh-CN" altLang="en-US" sz="2000" dirty="0">
@@ -29478,10 +29539,60 @@
                 <a:latin typeface="微软雅黑" panose="020B0503020204020204" pitchFamily="34" charset="-122"/>
                 <a:ea typeface="微软雅黑" panose="020B0503020204020204" pitchFamily="34" charset="-122"/>
               </a:rPr>
-              <a:t>设置线程的名字</a:t>
+              <a:t>设置线程的</a:t>
+            </a:r>
+            <a:r>
+              <a:rPr lang="zh-CN" altLang="en-US" sz="2000" dirty="0" smtClean="0">
+                <a:latin typeface="微软雅黑" panose="020B0503020204020204" pitchFamily="34" charset="-122"/>
+                <a:ea typeface="微软雅黑" panose="020B0503020204020204" pitchFamily="34" charset="-122"/>
+              </a:rPr>
+              <a:t>名字  </a:t>
+            </a:r>
+            <a:r>
+              <a:rPr lang="zh-CN" altLang="en-US" sz="2000" dirty="0" smtClean="0">
+                <a:solidFill>
+                  <a:srgbClr val="FF0000"/>
+                </a:solidFill>
+                <a:latin typeface="微软雅黑" panose="020B0503020204020204" pitchFamily="34" charset="-122"/>
+                <a:ea typeface="微软雅黑" panose="020B0503020204020204" pitchFamily="34" charset="-122"/>
+              </a:rPr>
+              <a:t>已经被弃用，用</a:t>
+            </a:r>
+            <a:r>
+              <a:rPr lang="en-US" altLang="zh-CN" sz="2000" dirty="0" smtClean="0">
+                <a:solidFill>
+                  <a:srgbClr val="FF0000"/>
+                </a:solidFill>
+                <a:latin typeface="微软雅黑" panose="020B0503020204020204" pitchFamily="34" charset="-122"/>
+                <a:ea typeface="微软雅黑" panose="020B0503020204020204" pitchFamily="34" charset="-122"/>
+              </a:rPr>
+              <a:t>sele.name</a:t>
+            </a:r>
+            <a:r>
+              <a:rPr lang="zh-CN" altLang="en-US" sz="2000" dirty="0" smtClean="0">
+                <a:solidFill>
+                  <a:srgbClr val="FF0000"/>
+                </a:solidFill>
+                <a:latin typeface="微软雅黑" panose="020B0503020204020204" pitchFamily="34" charset="-122"/>
+                <a:ea typeface="微软雅黑" panose="020B0503020204020204" pitchFamily="34" charset="-122"/>
+              </a:rPr>
+              <a:t>代替</a:t>
+            </a:r>
+            <a:r>
+              <a:rPr lang="zh-CN" altLang="en-US" sz="2000" dirty="0">
+                <a:solidFill>
+                  <a:srgbClr val="FF0000"/>
+                </a:solidFill>
+                <a:latin typeface="微软雅黑" panose="020B0503020204020204" pitchFamily="34" charset="-122"/>
+                <a:ea typeface="微软雅黑" panose="020B0503020204020204" pitchFamily="34" charset="-122"/>
+              </a:rPr>
+              <a:t/>
             </a:r>
             <a:br>
               <a:rPr lang="zh-CN" altLang="en-US" sz="2000" dirty="0">
+                <a:solidFill>
+                  <a:srgbClr val="FF0000"/>
+                </a:solidFill>
                 <a:latin typeface="微软雅黑" panose="020B0503020204020204" pitchFamily="34" charset="-122"/>
                 <a:ea typeface="微软雅黑" panose="020B0503020204020204" pitchFamily="34" charset="-122"/>
               </a:rPr>
